--- a/Ado.pptx
+++ b/Ado.pptx
@@ -19,6 +19,8 @@
     <p:sldId id="267" r:id="rId13"/>
     <p:sldId id="268" r:id="rId14"/>
     <p:sldId id="269" r:id="rId15"/>
+    <p:sldId id="270" r:id="rId16"/>
+    <p:sldId id="271" r:id="rId17"/>
   </p:sldIdLst>
   <p:sldSz cx="12192000" cy="6858000"/>
   <p:notesSz cx="6858000" cy="9144000"/>
@@ -117,6 +119,11 @@
       </a:defRPr>
     </a:lvl9pPr>
   </p:defaultTextStyle>
+  <p:extLst>
+    <p:ext uri="{EFAFB233-063F-42B5-8137-9DF3F51BA10A}">
+      <p15:sldGuideLst xmlns:p15="http://schemas.microsoft.com/office/powerpoint/2012/main"/>
+    </p:ext>
+  </p:extLst>
 </p:presentation>
 </file>
 
@@ -5535,6 +5542,13 @@
   <p:clrMapOvr>
     <a:masterClrMapping/>
   </p:clrMapOvr>
+  <p:timing>
+    <p:tnLst>
+      <p:par>
+        <p:cTn id="1" dur="indefinite" restart="never" nodeType="tmRoot"/>
+      </p:par>
+    </p:tnLst>
+  </p:timing>
 </p:sld>
 </file>
 
@@ -5627,6 +5641,13 @@
   <p:clrMapOvr>
     <a:masterClrMapping/>
   </p:clrMapOvr>
+  <p:timing>
+    <p:tnLst>
+      <p:par>
+        <p:cTn id="1" dur="indefinite" restart="never" nodeType="tmRoot"/>
+      </p:par>
+    </p:tnLst>
+  </p:timing>
 </p:sld>
 </file>
 
@@ -5709,6 +5730,13 @@
   <p:clrMapOvr>
     <a:masterClrMapping/>
   </p:clrMapOvr>
+  <p:timing>
+    <p:tnLst>
+      <p:par>
+        <p:cTn id="1" dur="indefinite" restart="never" nodeType="tmRoot"/>
+      </p:par>
+    </p:tnLst>
+  </p:timing>
 </p:sld>
 </file>
 
@@ -5779,6 +5807,177 @@
 </p:sld>
 </file>
 
+<file path=ppt/slides/slide15.xml><?xml version="1.0" encoding="utf-8"?>
+<p:sld xmlns:a="http://schemas.openxmlformats.org/drawingml/2006/main" xmlns:r="http://schemas.openxmlformats.org/officeDocument/2006/relationships" xmlns:p="http://schemas.openxmlformats.org/presentationml/2006/main">
+  <p:cSld>
+    <p:spTree>
+      <p:nvGrpSpPr>
+        <p:cNvPr id="1" name=""/>
+        <p:cNvGrpSpPr/>
+        <p:nvPr/>
+      </p:nvGrpSpPr>
+      <p:grpSpPr>
+        <a:xfrm>
+          <a:off x="0" y="0"/>
+          <a:ext cx="0" cy="0"/>
+          <a:chOff x="0" y="0"/>
+          <a:chExt cx="0" cy="0"/>
+        </a:xfrm>
+      </p:grpSpPr>
+      <p:sp>
+        <p:nvSpPr>
+          <p:cNvPr id="2" name="Title 1"/>
+          <p:cNvSpPr>
+            <a:spLocks noGrp="1"/>
+          </p:cNvSpPr>
+          <p:nvPr>
+            <p:ph type="title"/>
+          </p:nvPr>
+        </p:nvSpPr>
+        <p:spPr/>
+        <p:txBody>
+          <a:bodyPr/>
+          <a:lstStyle/>
+          <a:p>
+            <a:r>
+              <a:rPr lang="en-US" dirty="0" smtClean="0"/>
+              <a:t>Transient fault handling</a:t>
+            </a:r>
+            <a:endParaRPr lang="en-US" dirty="0"/>
+          </a:p>
+        </p:txBody>
+      </p:sp>
+      <p:sp>
+        <p:nvSpPr>
+          <p:cNvPr id="3" name="Content Placeholder 2"/>
+          <p:cNvSpPr>
+            <a:spLocks noGrp="1"/>
+          </p:cNvSpPr>
+          <p:nvPr>
+            <p:ph idx="1"/>
+          </p:nvPr>
+        </p:nvSpPr>
+        <p:spPr/>
+        <p:txBody>
+          <a:bodyPr>
+            <a:normAutofit/>
+          </a:bodyPr>
+          <a:lstStyle/>
+          <a:p>
+            <a:pPr marL="0" indent="0">
+              <a:buNone/>
+            </a:pPr>
+            <a:r>
+              <a:rPr lang="en-US" sz="4000" dirty="0" smtClean="0"/>
+              <a:t>Transient Fault Handling Application Block</a:t>
+            </a:r>
+            <a:endParaRPr lang="en-US" sz="4000" dirty="0"/>
+          </a:p>
+        </p:txBody>
+      </p:sp>
+    </p:spTree>
+    <p:extLst>
+      <p:ext uri="{BB962C8B-B14F-4D97-AF65-F5344CB8AC3E}">
+        <p14:creationId xmlns:p14="http://schemas.microsoft.com/office/powerpoint/2010/main" val="4061292968"/>
+      </p:ext>
+    </p:extLst>
+  </p:cSld>
+  <p:clrMapOvr>
+    <a:masterClrMapping/>
+  </p:clrMapOvr>
+</p:sld>
+</file>
+
+<file path=ppt/slides/slide16.xml><?xml version="1.0" encoding="utf-8"?>
+<p:sld xmlns:a="http://schemas.openxmlformats.org/drawingml/2006/main" xmlns:r="http://schemas.openxmlformats.org/officeDocument/2006/relationships" xmlns:p="http://schemas.openxmlformats.org/presentationml/2006/main">
+  <p:cSld>
+    <p:spTree>
+      <p:nvGrpSpPr>
+        <p:cNvPr id="1" name=""/>
+        <p:cNvGrpSpPr/>
+        <p:nvPr/>
+      </p:nvGrpSpPr>
+      <p:grpSpPr>
+        <a:xfrm>
+          <a:off x="0" y="0"/>
+          <a:ext cx="0" cy="0"/>
+          <a:chOff x="0" y="0"/>
+          <a:chExt cx="0" cy="0"/>
+        </a:xfrm>
+      </p:grpSpPr>
+      <p:sp>
+        <p:nvSpPr>
+          <p:cNvPr id="2" name="Title 1"/>
+          <p:cNvSpPr>
+            <a:spLocks noGrp="1"/>
+          </p:cNvSpPr>
+          <p:nvPr>
+            <p:ph type="title"/>
+          </p:nvPr>
+        </p:nvSpPr>
+        <p:spPr/>
+        <p:txBody>
+          <a:bodyPr/>
+          <a:lstStyle/>
+          <a:p>
+            <a:r>
+              <a:rPr lang="en-US" dirty="0" smtClean="0"/>
+              <a:t>Retry strategies</a:t>
+            </a:r>
+            <a:endParaRPr lang="en-US" dirty="0"/>
+          </a:p>
+        </p:txBody>
+      </p:sp>
+      <p:sp>
+        <p:nvSpPr>
+          <p:cNvPr id="3" name="Content Placeholder 2"/>
+          <p:cNvSpPr>
+            <a:spLocks noGrp="1"/>
+          </p:cNvSpPr>
+          <p:nvPr>
+            <p:ph idx="1"/>
+          </p:nvPr>
+        </p:nvSpPr>
+        <p:spPr/>
+        <p:txBody>
+          <a:bodyPr>
+            <a:normAutofit/>
+          </a:bodyPr>
+          <a:lstStyle/>
+          <a:p>
+            <a:r>
+              <a:rPr lang="en-US" sz="2800" dirty="0" smtClean="0"/>
+              <a:t>Fixed interval</a:t>
+            </a:r>
+          </a:p>
+          <a:p>
+            <a:r>
+              <a:rPr lang="en-US" sz="2800" dirty="0" smtClean="0"/>
+              <a:t>Incremental interval</a:t>
+            </a:r>
+          </a:p>
+          <a:p>
+            <a:r>
+              <a:rPr lang="en-US" sz="2800" dirty="0" smtClean="0"/>
+              <a:t>Exponential back off</a:t>
+            </a:r>
+            <a:endParaRPr lang="en-US" sz="2800" dirty="0"/>
+          </a:p>
+        </p:txBody>
+      </p:sp>
+    </p:spTree>
+    <p:extLst>
+      <p:ext uri="{BB962C8B-B14F-4D97-AF65-F5344CB8AC3E}">
+        <p14:creationId xmlns:p14="http://schemas.microsoft.com/office/powerpoint/2010/main" val="1570456952"/>
+      </p:ext>
+    </p:extLst>
+  </p:cSld>
+  <p:clrMapOvr>
+    <a:masterClrMapping/>
+  </p:clrMapOvr>
+</p:sld>
+</file>
+
 <file path=ppt/slides/slide2.xml><?xml version="1.0" encoding="utf-8"?>
 <p:sld xmlns:a="http://schemas.openxmlformats.org/drawingml/2006/main" xmlns:r="http://schemas.openxmlformats.org/officeDocument/2006/relationships" xmlns:p="http://schemas.openxmlformats.org/presentationml/2006/main">
   <p:cSld>
@@ -5841,7 +6040,6 @@
               <a:rPr lang="en-US" dirty="0"/>
               <a:t>ADO.NET is a set of classes that expose data access services for .NET Framework programmers. ADO.NET provides a rich set of components for creating distributed, data-sharing applications. It is an integral part of the .NET Framework, providing access to relational, XML, and application data. ADO.NET supports a variety of development needs, including the creation of front-end database clients and middle-tier business objects used by applications, tools, languages, or Internet browsers.</a:t>
             </a:r>
-            <a:endParaRPr lang="en-US" dirty="0"/>
           </a:p>
         </p:txBody>
       </p:sp>
@@ -6244,6 +6442,13 @@
   <p:clrMapOvr>
     <a:masterClrMapping/>
   </p:clrMapOvr>
+  <p:timing>
+    <p:tnLst>
+      <p:par>
+        <p:cTn id="1" dur="indefinite" restart="never" nodeType="tmRoot"/>
+      </p:par>
+    </p:tnLst>
+  </p:timing>
 </p:sld>
 </file>
 
@@ -6340,6 +6545,13 @@
   <p:clrMapOvr>
     <a:masterClrMapping/>
   </p:clrMapOvr>
+  <p:timing>
+    <p:tnLst>
+      <p:par>
+        <p:cTn id="1" dur="indefinite" restart="never" nodeType="tmRoot"/>
+      </p:par>
+    </p:tnLst>
+  </p:timing>
 </p:sld>
 </file>
 
@@ -6441,6 +6653,13 @@
   <p:clrMapOvr>
     <a:masterClrMapping/>
   </p:clrMapOvr>
+  <p:timing>
+    <p:tnLst>
+      <p:par>
+        <p:cTn id="1" dur="indefinite" restart="never" nodeType="tmRoot"/>
+      </p:par>
+    </p:tnLst>
+  </p:timing>
 </p:sld>
 </file>
 

--- a/Ado.pptx
+++ b/Ado.pptx
@@ -21,6 +21,8 @@
     <p:sldId id="269" r:id="rId15"/>
     <p:sldId id="270" r:id="rId16"/>
     <p:sldId id="271" r:id="rId17"/>
+    <p:sldId id="272" r:id="rId18"/>
+    <p:sldId id="273" r:id="rId19"/>
   </p:sldIdLst>
   <p:sldSz cx="12192000" cy="6858000"/>
   <p:notesSz cx="6858000" cy="9144000"/>
@@ -121,7 +123,7 @@
   </p:defaultTextStyle>
   <p:extLst>
     <p:ext uri="{EFAFB233-063F-42B5-8137-9DF3F51BA10A}">
-      <p15:sldGuideLst xmlns:p15="http://schemas.microsoft.com/office/powerpoint/2012/main"/>
+      <p15:sldGuideLst xmlns:p15="http://schemas.microsoft.com/office/powerpoint/2012/main" xmlns=""/>
     </p:ext>
   </p:extLst>
 </p:presentation>
@@ -319,7 +321,7 @@
             <a:fld id="{B61BEF0D-F0BB-DE4B-95CE-6DB70DBA9567}" type="datetimeFigureOut">
               <a:rPr lang="en-US" dirty="0"/>
               <a:pPr/>
-              <a:t>5/24/2016</a:t>
+              <a:t>5/25/2016</a:t>
             </a:fld>
             <a:endParaRPr lang="en-US" dirty="0"/>
           </a:p>
@@ -752,7 +754,7 @@
             <a:fld id="{B61BEF0D-F0BB-DE4B-95CE-6DB70DBA9567}" type="datetimeFigureOut">
               <a:rPr lang="en-US" dirty="0"/>
               <a:pPr/>
-              <a:t>5/24/2016</a:t>
+              <a:t>5/25/2016</a:t>
             </a:fld>
             <a:endParaRPr lang="en-US" dirty="0"/>
           </a:p>
@@ -999,7 +1001,7 @@
             <a:fld id="{B61BEF0D-F0BB-DE4B-95CE-6DB70DBA9567}" type="datetimeFigureOut">
               <a:rPr lang="en-US" dirty="0"/>
               <a:pPr/>
-              <a:t>5/24/2016</a:t>
+              <a:t>5/25/2016</a:t>
             </a:fld>
             <a:endParaRPr lang="en-US" dirty="0"/>
           </a:p>
@@ -1304,7 +1306,7 @@
             <a:fld id="{B61BEF0D-F0BB-DE4B-95CE-6DB70DBA9567}" type="datetimeFigureOut">
               <a:rPr lang="en-US" dirty="0"/>
               <a:pPr/>
-              <a:t>5/24/2016</a:t>
+              <a:t>5/25/2016</a:t>
             </a:fld>
             <a:endParaRPr lang="en-US" dirty="0"/>
           </a:p>
@@ -1619,7 +1621,7 @@
             <a:fld id="{B61BEF0D-F0BB-DE4B-95CE-6DB70DBA9567}" type="datetimeFigureOut">
               <a:rPr lang="en-US" dirty="0"/>
               <a:pPr/>
-              <a:t>5/24/2016</a:t>
+              <a:t>5/25/2016</a:t>
             </a:fld>
             <a:endParaRPr lang="en-US" dirty="0"/>
           </a:p>
@@ -1918,7 +1920,7 @@
             <a:fld id="{B61BEF0D-F0BB-DE4B-95CE-6DB70DBA9567}" type="datetimeFigureOut">
               <a:rPr lang="en-US" dirty="0"/>
               <a:pPr/>
-              <a:t>5/24/2016</a:t>
+              <a:t>5/25/2016</a:t>
             </a:fld>
             <a:endParaRPr lang="en-US" dirty="0"/>
           </a:p>
@@ -2282,7 +2284,7 @@
             <a:fld id="{B61BEF0D-F0BB-DE4B-95CE-6DB70DBA9567}" type="datetimeFigureOut">
               <a:rPr lang="en-US" dirty="0"/>
               <a:pPr/>
-              <a:t>5/24/2016</a:t>
+              <a:t>5/25/2016</a:t>
             </a:fld>
             <a:endParaRPr lang="en-US" dirty="0"/>
           </a:p>
@@ -2453,7 +2455,7 @@
             <a:fld id="{B61BEF0D-F0BB-DE4B-95CE-6DB70DBA9567}" type="datetimeFigureOut">
               <a:rPr lang="en-US" dirty="0"/>
               <a:pPr/>
-              <a:t>5/24/2016</a:t>
+              <a:t>5/25/2016</a:t>
             </a:fld>
             <a:endParaRPr lang="en-US" dirty="0"/>
           </a:p>
@@ -2630,7 +2632,7 @@
             <a:fld id="{B61BEF0D-F0BB-DE4B-95CE-6DB70DBA9567}" type="datetimeFigureOut">
               <a:rPr lang="en-US" dirty="0"/>
               <a:pPr/>
-              <a:t>5/24/2016</a:t>
+              <a:t>5/25/2016</a:t>
             </a:fld>
             <a:endParaRPr lang="en-US" dirty="0"/>
           </a:p>
@@ -2797,7 +2799,7 @@
             <a:fld id="{B61BEF0D-F0BB-DE4B-95CE-6DB70DBA9567}" type="datetimeFigureOut">
               <a:rPr lang="en-US" dirty="0"/>
               <a:pPr/>
-              <a:t>5/24/2016</a:t>
+              <a:t>5/25/2016</a:t>
             </a:fld>
             <a:endParaRPr lang="en-US" dirty="0"/>
           </a:p>
@@ -3044,7 +3046,7 @@
             <a:fld id="{B61BEF0D-F0BB-DE4B-95CE-6DB70DBA9567}" type="datetimeFigureOut">
               <a:rPr lang="en-US" dirty="0"/>
               <a:pPr/>
-              <a:t>5/24/2016</a:t>
+              <a:t>5/25/2016</a:t>
             </a:fld>
             <a:endParaRPr lang="en-US" dirty="0"/>
           </a:p>
@@ -3277,7 +3279,7 @@
             <a:fld id="{B61BEF0D-F0BB-DE4B-95CE-6DB70DBA9567}" type="datetimeFigureOut">
               <a:rPr lang="en-US" dirty="0"/>
               <a:pPr/>
-              <a:t>5/24/2016</a:t>
+              <a:t>5/25/2016</a:t>
             </a:fld>
             <a:endParaRPr lang="en-US" dirty="0"/>
           </a:p>
@@ -3656,7 +3658,7 @@
             <a:fld id="{B61BEF0D-F0BB-DE4B-95CE-6DB70DBA9567}" type="datetimeFigureOut">
               <a:rPr lang="en-US" dirty="0"/>
               <a:pPr/>
-              <a:t>5/24/2016</a:t>
+              <a:t>5/25/2016</a:t>
             </a:fld>
             <a:endParaRPr lang="en-US" dirty="0"/>
           </a:p>
@@ -3771,7 +3773,7 @@
             <a:fld id="{B61BEF0D-F0BB-DE4B-95CE-6DB70DBA9567}" type="datetimeFigureOut">
               <a:rPr lang="en-US" dirty="0"/>
               <a:pPr/>
-              <a:t>5/24/2016</a:t>
+              <a:t>5/25/2016</a:t>
             </a:fld>
             <a:endParaRPr lang="en-US" dirty="0"/>
           </a:p>
@@ -3863,7 +3865,7 @@
             <a:fld id="{B61BEF0D-F0BB-DE4B-95CE-6DB70DBA9567}" type="datetimeFigureOut">
               <a:rPr lang="en-US" dirty="0"/>
               <a:pPr/>
-              <a:t>5/24/2016</a:t>
+              <a:t>5/25/2016</a:t>
             </a:fld>
             <a:endParaRPr lang="en-US" dirty="0"/>
           </a:p>
@@ -4115,7 +4117,7 @@
             <a:fld id="{B61BEF0D-F0BB-DE4B-95CE-6DB70DBA9567}" type="datetimeFigureOut">
               <a:rPr lang="en-US" dirty="0"/>
               <a:pPr/>
-              <a:t>5/24/2016</a:t>
+              <a:t>5/25/2016</a:t>
             </a:fld>
             <a:endParaRPr lang="en-US" dirty="0"/>
           </a:p>
@@ -4395,7 +4397,7 @@
             <a:fld id="{B61BEF0D-F0BB-DE4B-95CE-6DB70DBA9567}" type="datetimeFigureOut">
               <a:rPr lang="en-US" dirty="0"/>
               <a:pPr/>
-              <a:t>5/24/2016</a:t>
+              <a:t>5/25/2016</a:t>
             </a:fld>
             <a:endParaRPr lang="en-US" dirty="0"/>
           </a:p>
@@ -4798,7 +4800,7 @@
             <a:fld id="{B61BEF0D-F0BB-DE4B-95CE-6DB70DBA9567}" type="datetimeFigureOut">
               <a:rPr lang="en-US" dirty="0"/>
               <a:pPr/>
-              <a:t>5/24/2016</a:t>
+              <a:t>5/25/2016</a:t>
             </a:fld>
             <a:endParaRPr lang="en-US" dirty="0"/>
           </a:p>
@@ -5978,6 +5980,173 @@
 </p:sld>
 </file>
 
+<file path=ppt/slides/slide17.xml><?xml version="1.0" encoding="utf-8"?>
+<p:sld xmlns:a="http://schemas.openxmlformats.org/drawingml/2006/main" xmlns:r="http://schemas.openxmlformats.org/officeDocument/2006/relationships" xmlns:p="http://schemas.openxmlformats.org/presentationml/2006/main">
+  <p:cSld>
+    <p:spTree>
+      <p:nvGrpSpPr>
+        <p:cNvPr id="1" name=""/>
+        <p:cNvGrpSpPr/>
+        <p:nvPr/>
+      </p:nvGrpSpPr>
+      <p:grpSpPr>
+        <a:xfrm>
+          <a:off x="0" y="0"/>
+          <a:ext cx="0" cy="0"/>
+          <a:chOff x="0" y="0"/>
+          <a:chExt cx="0" cy="0"/>
+        </a:xfrm>
+      </p:grpSpPr>
+      <p:sp>
+        <p:nvSpPr>
+          <p:cNvPr id="2" name="Заголовок 1"/>
+          <p:cNvSpPr>
+            <a:spLocks noGrp="1"/>
+          </p:cNvSpPr>
+          <p:nvPr>
+            <p:ph type="title"/>
+          </p:nvPr>
+        </p:nvSpPr>
+        <p:spPr/>
+        <p:txBody>
+          <a:bodyPr/>
+          <a:lstStyle/>
+          <a:p>
+            <a:r>
+              <a:rPr lang="en-US" dirty="0" smtClean="0"/>
+              <a:t>Detection strategies</a:t>
+            </a:r>
+            <a:endParaRPr lang="ru-RU" dirty="0"/>
+          </a:p>
+        </p:txBody>
+      </p:sp>
+      <p:sp>
+        <p:nvSpPr>
+          <p:cNvPr id="3" name="Объект 2"/>
+          <p:cNvSpPr>
+            <a:spLocks noGrp="1"/>
+          </p:cNvSpPr>
+          <p:nvPr>
+            <p:ph idx="1"/>
+          </p:nvPr>
+        </p:nvSpPr>
+        <p:spPr/>
+        <p:txBody>
+          <a:bodyPr/>
+          <a:lstStyle/>
+          <a:p>
+            <a:r>
+              <a:rPr lang="en-US" sz="2800" dirty="0" err="1" smtClean="0"/>
+              <a:t>SqlDatabaseTransientErrorDetectionStrategy</a:t>
+            </a:r>
+            <a:endParaRPr lang="en-US" sz="2800" dirty="0" smtClean="0"/>
+          </a:p>
+          <a:p>
+            <a:r>
+              <a:rPr lang="en-US" sz="2800" dirty="0" err="1"/>
+              <a:t>StorageTransientErrorDetectionStrategy</a:t>
+            </a:r>
+            <a:endParaRPr lang="en-US" sz="2800" dirty="0"/>
+          </a:p>
+          <a:p>
+            <a:r>
+              <a:rPr lang="en-US" sz="2800" dirty="0" err="1"/>
+              <a:t>CacheTransientErrorDetectionStrategy</a:t>
+            </a:r>
+            <a:endParaRPr lang="en-US" sz="2800" dirty="0"/>
+          </a:p>
+          <a:p>
+            <a:r>
+              <a:rPr lang="en-US" sz="2800" dirty="0" err="1"/>
+              <a:t>ServiceBusTransientErrorDetectionStrategy</a:t>
+            </a:r>
+            <a:endParaRPr lang="en-US" sz="2800" dirty="0"/>
+          </a:p>
+          <a:p>
+            <a:r>
+              <a:rPr lang="en-US" sz="2800" dirty="0" err="1"/>
+              <a:t>SqlAzureTransientErrorDetectionStrategy</a:t>
+            </a:r>
+            <a:endParaRPr lang="en-US" sz="2800" dirty="0"/>
+          </a:p>
+          <a:p>
+            <a:endParaRPr lang="ru-RU" dirty="0"/>
+          </a:p>
+        </p:txBody>
+      </p:sp>
+    </p:spTree>
+    <p:extLst>
+      <p:ext uri="{BB962C8B-B14F-4D97-AF65-F5344CB8AC3E}">
+        <p14:creationId xmlns:p14="http://schemas.microsoft.com/office/powerpoint/2010/main" val="463386864"/>
+      </p:ext>
+    </p:extLst>
+  </p:cSld>
+  <p:clrMapOvr>
+    <a:masterClrMapping/>
+  </p:clrMapOvr>
+</p:sld>
+</file>
+
+<file path=ppt/slides/slide18.xml><?xml version="1.0" encoding="utf-8"?>
+<p:sld xmlns:a="http://schemas.openxmlformats.org/drawingml/2006/main" xmlns:r="http://schemas.openxmlformats.org/officeDocument/2006/relationships" xmlns:p="http://schemas.openxmlformats.org/presentationml/2006/main">
+  <p:cSld>
+    <p:spTree>
+      <p:nvGrpSpPr>
+        <p:cNvPr id="1" name=""/>
+        <p:cNvGrpSpPr/>
+        <p:nvPr/>
+      </p:nvGrpSpPr>
+      <p:grpSpPr>
+        <a:xfrm>
+          <a:off x="0" y="0"/>
+          <a:ext cx="0" cy="0"/>
+          <a:chOff x="0" y="0"/>
+          <a:chExt cx="0" cy="0"/>
+        </a:xfrm>
+      </p:grpSpPr>
+      <p:sp>
+        <p:nvSpPr>
+          <p:cNvPr id="2" name="Заголовок 1"/>
+          <p:cNvSpPr>
+            <a:spLocks noGrp="1"/>
+          </p:cNvSpPr>
+          <p:nvPr>
+            <p:ph type="title"/>
+          </p:nvPr>
+        </p:nvSpPr>
+        <p:spPr>
+          <a:xfrm>
+            <a:off x="707963" y="2397275"/>
+            <a:ext cx="8534400" cy="1507067"/>
+          </a:xfrm>
+        </p:spPr>
+        <p:txBody>
+          <a:bodyPr>
+            <a:normAutofit/>
+          </a:bodyPr>
+          <a:lstStyle/>
+          <a:p>
+            <a:r>
+              <a:rPr lang="en-US" sz="6600" dirty="0" smtClean="0"/>
+              <a:t>questions</a:t>
+            </a:r>
+            <a:endParaRPr lang="ru-RU" sz="6600" dirty="0"/>
+          </a:p>
+        </p:txBody>
+      </p:sp>
+    </p:spTree>
+    <p:extLst>
+      <p:ext uri="{BB962C8B-B14F-4D97-AF65-F5344CB8AC3E}">
+        <p14:creationId xmlns:p14="http://schemas.microsoft.com/office/powerpoint/2010/main" val="2823166842"/>
+      </p:ext>
+    </p:extLst>
+  </p:cSld>
+  <p:clrMapOvr>
+    <a:masterClrMapping/>
+  </p:clrMapOvr>
+</p:sld>
+</file>
+
 <file path=ppt/slides/slide2.xml><?xml version="1.0" encoding="utf-8"?>
 <p:sld xmlns:a="http://schemas.openxmlformats.org/drawingml/2006/main" xmlns:r="http://schemas.openxmlformats.org/officeDocument/2006/relationships" xmlns:p="http://schemas.openxmlformats.org/presentationml/2006/main">
   <p:cSld>
@@ -6795,7 +6964,7 @@
     </a:clrScheme>
     <a:fontScheme name="Slice">
       <a:majorFont>
-        <a:latin typeface="Century Gothic" panose="020B0502020202020204"/>
+        <a:latin typeface="Century Gothic"/>
         <a:ea typeface=""/>
         <a:cs typeface=""/>
         <a:font script="Jpan" typeface="メイリオ"/>
@@ -6830,7 +6999,7 @@
         <a:font script="Geor" typeface="Sylfaen"/>
       </a:majorFont>
       <a:minorFont>
-        <a:latin typeface="Century Gothic" panose="020B0502020202020204"/>
+        <a:latin typeface="Century Gothic"/>
         <a:ea typeface=""/>
         <a:cs typeface=""/>
         <a:font script="Jpan" typeface="メイリオ"/>
@@ -7020,7 +7189,7 @@
   <a:extraClrSchemeLst/>
   <a:extLst>
     <a:ext uri="{05A4C25C-085E-4340-85A3-A5531E510DB2}">
-      <thm15:themeFamily xmlns:thm15="http://schemas.microsoft.com/office/thememl/2012/main" name="Slice" id="{0507925B-6AC9-4358-8E18-C330545D08F8}" vid="{13FEC7C6-62A9-40C4-99D2-581AACACAA2F}"/>
+      <thm15:themeFamily xmlns:thm15="http://schemas.microsoft.com/office/thememl/2012/main" xmlns="" name="Slice" id="{0507925B-6AC9-4358-8E18-C330545D08F8}" vid="{13FEC7C6-62A9-40C4-99D2-581AACACAA2F}"/>
     </a:ext>
   </a:extLst>
 </a:theme>
